--- a/src/NCase.Doc/Slides/slides.pptx
+++ b/src/NCase.Doc/Slides/slides.pptx
@@ -238,7 +238,7 @@
           <a:p>
             <a:fld id="{AF1194EC-C915-441E-AD9A-616349DBA75B}" type="datetimeFigureOut">
               <a:rPr lang="en-US" smtClean="0"/>
-              <a:t>12/2/2015</a:t>
+              <a:t>12/3/2015</a:t>
             </a:fld>
             <a:endParaRPr lang="en-US"/>
           </a:p>
@@ -280,7 +280,7 @@
           <a:p>
             <a:fld id="{283AF68C-C093-4BDC-8CF7-53FAADAA3F33}" type="slidenum">
               <a:rPr lang="en-US" smtClean="0"/>
-              <a:t>‹#›</a:t>
+              <a:t>‹Nr.›</a:t>
             </a:fld>
             <a:endParaRPr lang="en-US"/>
           </a:p>
@@ -408,7 +408,7 @@
           <a:p>
             <a:fld id="{AF1194EC-C915-441E-AD9A-616349DBA75B}" type="datetimeFigureOut">
               <a:rPr lang="en-US" smtClean="0"/>
-              <a:t>12/2/2015</a:t>
+              <a:t>12/3/2015</a:t>
             </a:fld>
             <a:endParaRPr lang="en-US"/>
           </a:p>
@@ -450,7 +450,7 @@
           <a:p>
             <a:fld id="{283AF68C-C093-4BDC-8CF7-53FAADAA3F33}" type="slidenum">
               <a:rPr lang="en-US" smtClean="0"/>
-              <a:t>‹#›</a:t>
+              <a:t>‹Nr.›</a:t>
             </a:fld>
             <a:endParaRPr lang="en-US"/>
           </a:p>
@@ -588,7 +588,7 @@
           <a:p>
             <a:fld id="{AF1194EC-C915-441E-AD9A-616349DBA75B}" type="datetimeFigureOut">
               <a:rPr lang="en-US" smtClean="0"/>
-              <a:t>12/2/2015</a:t>
+              <a:t>12/3/2015</a:t>
             </a:fld>
             <a:endParaRPr lang="en-US"/>
           </a:p>
@@ -630,7 +630,7 @@
           <a:p>
             <a:fld id="{283AF68C-C093-4BDC-8CF7-53FAADAA3F33}" type="slidenum">
               <a:rPr lang="en-US" smtClean="0"/>
-              <a:t>‹#›</a:t>
+              <a:t>‹Nr.›</a:t>
             </a:fld>
             <a:endParaRPr lang="en-US"/>
           </a:p>
@@ -758,7 +758,7 @@
           <a:p>
             <a:fld id="{AF1194EC-C915-441E-AD9A-616349DBA75B}" type="datetimeFigureOut">
               <a:rPr lang="en-US" smtClean="0"/>
-              <a:t>12/2/2015</a:t>
+              <a:t>12/3/2015</a:t>
             </a:fld>
             <a:endParaRPr lang="en-US"/>
           </a:p>
@@ -800,7 +800,7 @@
           <a:p>
             <a:fld id="{283AF68C-C093-4BDC-8CF7-53FAADAA3F33}" type="slidenum">
               <a:rPr lang="en-US" smtClean="0"/>
-              <a:t>‹#›</a:t>
+              <a:t>‹Nr.›</a:t>
             </a:fld>
             <a:endParaRPr lang="en-US"/>
           </a:p>
@@ -1004,7 +1004,7 @@
           <a:p>
             <a:fld id="{AF1194EC-C915-441E-AD9A-616349DBA75B}" type="datetimeFigureOut">
               <a:rPr lang="en-US" smtClean="0"/>
-              <a:t>12/2/2015</a:t>
+              <a:t>12/3/2015</a:t>
             </a:fld>
             <a:endParaRPr lang="en-US"/>
           </a:p>
@@ -1046,7 +1046,7 @@
           <a:p>
             <a:fld id="{283AF68C-C093-4BDC-8CF7-53FAADAA3F33}" type="slidenum">
               <a:rPr lang="en-US" smtClean="0"/>
-              <a:t>‹#›</a:t>
+              <a:t>‹Nr.›</a:t>
             </a:fld>
             <a:endParaRPr lang="en-US"/>
           </a:p>
@@ -1236,7 +1236,7 @@
           <a:p>
             <a:fld id="{AF1194EC-C915-441E-AD9A-616349DBA75B}" type="datetimeFigureOut">
               <a:rPr lang="en-US" smtClean="0"/>
-              <a:t>12/2/2015</a:t>
+              <a:t>12/3/2015</a:t>
             </a:fld>
             <a:endParaRPr lang="en-US"/>
           </a:p>
@@ -1278,7 +1278,7 @@
           <a:p>
             <a:fld id="{283AF68C-C093-4BDC-8CF7-53FAADAA3F33}" type="slidenum">
               <a:rPr lang="en-US" smtClean="0"/>
-              <a:t>‹#›</a:t>
+              <a:t>‹Nr.›</a:t>
             </a:fld>
             <a:endParaRPr lang="en-US"/>
           </a:p>
@@ -1603,7 +1603,7 @@
           <a:p>
             <a:fld id="{AF1194EC-C915-441E-AD9A-616349DBA75B}" type="datetimeFigureOut">
               <a:rPr lang="en-US" smtClean="0"/>
-              <a:t>12/2/2015</a:t>
+              <a:t>12/3/2015</a:t>
             </a:fld>
             <a:endParaRPr lang="en-US"/>
           </a:p>
@@ -1645,7 +1645,7 @@
           <a:p>
             <a:fld id="{283AF68C-C093-4BDC-8CF7-53FAADAA3F33}" type="slidenum">
               <a:rPr lang="en-US" smtClean="0"/>
-              <a:t>‹#›</a:t>
+              <a:t>‹Nr.›</a:t>
             </a:fld>
             <a:endParaRPr lang="en-US"/>
           </a:p>
@@ -1721,7 +1721,7 @@
           <a:p>
             <a:fld id="{AF1194EC-C915-441E-AD9A-616349DBA75B}" type="datetimeFigureOut">
               <a:rPr lang="en-US" smtClean="0"/>
-              <a:t>12/2/2015</a:t>
+              <a:t>12/3/2015</a:t>
             </a:fld>
             <a:endParaRPr lang="en-US"/>
           </a:p>
@@ -1763,7 +1763,7 @@
           <a:p>
             <a:fld id="{283AF68C-C093-4BDC-8CF7-53FAADAA3F33}" type="slidenum">
               <a:rPr lang="en-US" smtClean="0"/>
-              <a:t>‹#›</a:t>
+              <a:t>‹Nr.›</a:t>
             </a:fld>
             <a:endParaRPr lang="en-US"/>
           </a:p>
@@ -1816,7 +1816,7 @@
           <a:p>
             <a:fld id="{AF1194EC-C915-441E-AD9A-616349DBA75B}" type="datetimeFigureOut">
               <a:rPr lang="en-US" smtClean="0"/>
-              <a:t>12/2/2015</a:t>
+              <a:t>12/3/2015</a:t>
             </a:fld>
             <a:endParaRPr lang="en-US"/>
           </a:p>
@@ -1858,7 +1858,7 @@
           <a:p>
             <a:fld id="{283AF68C-C093-4BDC-8CF7-53FAADAA3F33}" type="slidenum">
               <a:rPr lang="en-US" smtClean="0"/>
-              <a:t>‹#›</a:t>
+              <a:t>‹Nr.›</a:t>
             </a:fld>
             <a:endParaRPr lang="en-US"/>
           </a:p>
@@ -2093,7 +2093,7 @@
           <a:p>
             <a:fld id="{AF1194EC-C915-441E-AD9A-616349DBA75B}" type="datetimeFigureOut">
               <a:rPr lang="en-US" smtClean="0"/>
-              <a:t>12/2/2015</a:t>
+              <a:t>12/3/2015</a:t>
             </a:fld>
             <a:endParaRPr lang="en-US"/>
           </a:p>
@@ -2135,7 +2135,7 @@
           <a:p>
             <a:fld id="{283AF68C-C093-4BDC-8CF7-53FAADAA3F33}" type="slidenum">
               <a:rPr lang="en-US" smtClean="0"/>
-              <a:t>‹#›</a:t>
+              <a:t>‹Nr.›</a:t>
             </a:fld>
             <a:endParaRPr lang="en-US"/>
           </a:p>
@@ -2346,7 +2346,7 @@
           <a:p>
             <a:fld id="{AF1194EC-C915-441E-AD9A-616349DBA75B}" type="datetimeFigureOut">
               <a:rPr lang="en-US" smtClean="0"/>
-              <a:t>12/2/2015</a:t>
+              <a:t>12/3/2015</a:t>
             </a:fld>
             <a:endParaRPr lang="en-US"/>
           </a:p>
@@ -2388,7 +2388,7 @@
           <a:p>
             <a:fld id="{283AF68C-C093-4BDC-8CF7-53FAADAA3F33}" type="slidenum">
               <a:rPr lang="en-US" smtClean="0"/>
-              <a:t>‹#›</a:t>
+              <a:t>‹Nr.›</a:t>
             </a:fld>
             <a:endParaRPr lang="en-US"/>
           </a:p>
@@ -2559,7 +2559,7 @@
           <a:p>
             <a:fld id="{AF1194EC-C915-441E-AD9A-616349DBA75B}" type="datetimeFigureOut">
               <a:rPr lang="en-US" smtClean="0"/>
-              <a:t>12/2/2015</a:t>
+              <a:t>12/3/2015</a:t>
             </a:fld>
             <a:endParaRPr lang="en-US"/>
           </a:p>
@@ -2637,7 +2637,7 @@
           <a:p>
             <a:fld id="{283AF68C-C093-4BDC-8CF7-53FAADAA3F33}" type="slidenum">
               <a:rPr lang="en-US" smtClean="0"/>
-              <a:t>‹#›</a:t>
+              <a:t>‹Nr.›</a:t>
             </a:fld>
             <a:endParaRPr lang="en-US"/>
           </a:p>
@@ -2966,21 +2966,22 @@
       </p:grpSpPr>
       <p:pic>
         <p:nvPicPr>
-          <p:cNvPr id="5" name="Picture 4"/>
+          <p:cNvPr id="3" name="Grafik 2"/>
           <p:cNvPicPr>
             <a:picLocks noChangeAspect="1"/>
           </p:cNvPicPr>
           <p:nvPr/>
         </p:nvPicPr>
-        <p:blipFill rotWithShape="1">
+        <p:blipFill>
           <a:blip r:link="rId2"/>
-          <a:srcRect r="69858" b="17867"/>
-          <a:stretch/>
+          <a:stretch>
+            <a:fillRect/>
+          </a:stretch>
         </p:blipFill>
         <p:spPr>
           <a:xfrm>
-            <a:off x="1219810" y="2795667"/>
-            <a:ext cx="6531572" cy="2311592"/>
+            <a:off x="747163" y="940600"/>
+            <a:ext cx="3565891" cy="2030400"/>
           </a:xfrm>
           <a:prstGeom prst="rect">
             <a:avLst/>
@@ -3262,7 +3263,7 @@
   <a:extraClrSchemeLst/>
   <a:extLst>
     <a:ext uri="{05A4C25C-085E-4340-85A3-A5531E510DB2}">
-      <thm15:themeFamily xmlns:thm15="http://schemas.microsoft.com/office/thememl/2012/main" name="Office Theme" id="{62F939B6-93AF-4DB8-9C6B-D6C7DFDC589F}" vid="{4A3C46E8-61CC-4603-A589-7422A47A8E4A}"/>
+      <thm15:themeFamily xmlns="" xmlns:thm15="http://schemas.microsoft.com/office/thememl/2012/main" name="Office Theme" id="{62F939B6-93AF-4DB8-9C6B-D6C7DFDC589F}" vid="{4A3C46E8-61CC-4603-A589-7422A47A8E4A}"/>
     </a:ext>
   </a:extLst>
 </a:theme>
